--- a/instructions/Instructions_visual_only_task_keyboard.pptx
+++ b/instructions/Instructions_visual_only_task_keyboard.pptx
@@ -304,7 +304,7 @@
           <a:p>
             <a:fld id="{9D7C6ACB-8DF6-1449-BE97-CA8D947F79D3}" type="datetimeFigureOut">
               <a:rPr lang="en-US" smtClean="0"/>
-              <a:t>7/11/2023</a:t>
+              <a:t>7/18/2023</a:t>
             </a:fld>
             <a:endParaRPr lang="en-US"/>
           </a:p>
@@ -472,7 +472,7 @@
           <a:p>
             <a:fld id="{9D7C6ACB-8DF6-1449-BE97-CA8D947F79D3}" type="datetimeFigureOut">
               <a:rPr lang="en-US" smtClean="0"/>
-              <a:t>7/11/2023</a:t>
+              <a:t>7/18/2023</a:t>
             </a:fld>
             <a:endParaRPr lang="en-US"/>
           </a:p>
@@ -650,7 +650,7 @@
           <a:p>
             <a:fld id="{9D7C6ACB-8DF6-1449-BE97-CA8D947F79D3}" type="datetimeFigureOut">
               <a:rPr lang="en-US" smtClean="0"/>
-              <a:t>7/11/2023</a:t>
+              <a:t>7/18/2023</a:t>
             </a:fld>
             <a:endParaRPr lang="en-US"/>
           </a:p>
@@ -818,7 +818,7 @@
           <a:p>
             <a:fld id="{9D7C6ACB-8DF6-1449-BE97-CA8D947F79D3}" type="datetimeFigureOut">
               <a:rPr lang="en-US" smtClean="0"/>
-              <a:t>7/11/2023</a:t>
+              <a:t>7/18/2023</a:t>
             </a:fld>
             <a:endParaRPr lang="en-US"/>
           </a:p>
@@ -1063,7 +1063,7 @@
           <a:p>
             <a:fld id="{9D7C6ACB-8DF6-1449-BE97-CA8D947F79D3}" type="datetimeFigureOut">
               <a:rPr lang="en-US" smtClean="0"/>
-              <a:t>7/11/2023</a:t>
+              <a:t>7/18/2023</a:t>
             </a:fld>
             <a:endParaRPr lang="en-US"/>
           </a:p>
@@ -1348,7 +1348,7 @@
           <a:p>
             <a:fld id="{9D7C6ACB-8DF6-1449-BE97-CA8D947F79D3}" type="datetimeFigureOut">
               <a:rPr lang="en-US" smtClean="0"/>
-              <a:t>7/11/2023</a:t>
+              <a:t>7/18/2023</a:t>
             </a:fld>
             <a:endParaRPr lang="en-US"/>
           </a:p>
@@ -1767,7 +1767,7 @@
           <a:p>
             <a:fld id="{9D7C6ACB-8DF6-1449-BE97-CA8D947F79D3}" type="datetimeFigureOut">
               <a:rPr lang="en-US" smtClean="0"/>
-              <a:t>7/11/2023</a:t>
+              <a:t>7/18/2023</a:t>
             </a:fld>
             <a:endParaRPr lang="en-US"/>
           </a:p>
@@ -1884,7 +1884,7 @@
           <a:p>
             <a:fld id="{9D7C6ACB-8DF6-1449-BE97-CA8D947F79D3}" type="datetimeFigureOut">
               <a:rPr lang="en-US" smtClean="0"/>
-              <a:t>7/11/2023</a:t>
+              <a:t>7/18/2023</a:t>
             </a:fld>
             <a:endParaRPr lang="en-US"/>
           </a:p>
@@ -1979,7 +1979,7 @@
           <a:p>
             <a:fld id="{9D7C6ACB-8DF6-1449-BE97-CA8D947F79D3}" type="datetimeFigureOut">
               <a:rPr lang="en-US" smtClean="0"/>
-              <a:t>7/11/2023</a:t>
+              <a:t>7/18/2023</a:t>
             </a:fld>
             <a:endParaRPr lang="en-US"/>
           </a:p>
@@ -2254,7 +2254,7 @@
           <a:p>
             <a:fld id="{9D7C6ACB-8DF6-1449-BE97-CA8D947F79D3}" type="datetimeFigureOut">
               <a:rPr lang="en-US" smtClean="0"/>
-              <a:t>7/11/2023</a:t>
+              <a:t>7/18/2023</a:t>
             </a:fld>
             <a:endParaRPr lang="en-US"/>
           </a:p>
@@ -2506,7 +2506,7 @@
           <a:p>
             <a:fld id="{9D7C6ACB-8DF6-1449-BE97-CA8D947F79D3}" type="datetimeFigureOut">
               <a:rPr lang="en-US" smtClean="0"/>
-              <a:t>7/11/2023</a:t>
+              <a:t>7/18/2023</a:t>
             </a:fld>
             <a:endParaRPr lang="en-US"/>
           </a:p>
@@ -2720,7 +2720,7 @@
           <a:p>
             <a:fld id="{9D7C6ACB-8DF6-1449-BE97-CA8D947F79D3}" type="datetimeFigureOut">
               <a:rPr lang="en-US" smtClean="0"/>
-              <a:t>7/11/2023</a:t>
+              <a:t>7/18/2023</a:t>
             </a:fld>
             <a:endParaRPr lang="en-US"/>
           </a:p>
@@ -3217,7 +3217,7 @@
             </a:r>
             <a:r>
               <a:rPr lang="en-US" sz="2400" b="1" dirty="0" smtClean="0"/>
-              <a:t>right middle finger button</a:t>
+              <a:t>space bar</a:t>
             </a:r>
             <a:endParaRPr lang="en-US" sz="2400" b="1" dirty="0"/>
           </a:p>
@@ -3385,10 +3385,14 @@
             </a:r>
             <a:r>
               <a:rPr lang="en-US" sz="2400" b="1" i="1" dirty="0"/>
-              <a:t>right ring finger button </a:t>
-            </a:r>
-            <a:r>
-              <a:rPr lang="en-US" sz="2400" i="1" dirty="0"/>
+              <a:t>right </a:t>
+            </a:r>
+            <a:r>
+              <a:rPr lang="en-US" sz="2400" b="1" i="1" dirty="0" smtClean="0"/>
+              <a:t>arrow </a:t>
+            </a:r>
+            <a:r>
+              <a:rPr lang="en-US" sz="2400" i="1" dirty="0" smtClean="0"/>
               <a:t>to </a:t>
             </a:r>
             <a:r>
@@ -3523,7 +3527,7 @@
             </a:r>
             <a:r>
               <a:rPr lang="en-US" sz="2400" b="1" i="1" dirty="0"/>
-              <a:t>right ring finger button </a:t>
+              <a:t>right arrow </a:t>
             </a:r>
             <a:r>
               <a:rPr lang="en-US" sz="2400" i="1" dirty="0"/>
@@ -3539,7 +3543,7 @@
             </a:r>
             <a:r>
               <a:rPr lang="en-US" sz="2400" b="1" i="1" dirty="0"/>
-              <a:t>left ring finger button</a:t>
+              <a:t>left arrow</a:t>
             </a:r>
             <a:r>
               <a:rPr lang="en-US" sz="2400" i="1" dirty="0"/>
@@ -3717,35 +3721,35 @@
           <a:p>
             <a:pPr algn="ctr"/>
             <a:r>
-              <a:rPr lang="en-US" sz="2400" i="1" dirty="0"/>
+              <a:rPr lang="en-US" sz="2400" i="1"/>
               <a:t>Press the </a:t>
             </a:r>
             <a:r>
-              <a:rPr lang="en-US" sz="2400" b="1" i="1" dirty="0"/>
-              <a:t>right ring finger button </a:t>
-            </a:r>
-            <a:r>
-              <a:rPr lang="en-US" sz="2400" i="1" dirty="0"/>
+              <a:rPr lang="en-US" sz="2400" b="1" i="1"/>
+              <a:t>right arrow </a:t>
+            </a:r>
+            <a:r>
+              <a:rPr lang="en-US" sz="2400" i="1"/>
               <a:t>to </a:t>
             </a:r>
             <a:r>
-              <a:rPr lang="en-US" sz="2400" b="1" i="1" dirty="0"/>
+              <a:rPr lang="en-US" sz="2400" b="1" i="1"/>
               <a:t>proceed</a:t>
             </a:r>
             <a:r>
-              <a:rPr lang="en-US" sz="2400" i="1" dirty="0"/>
+              <a:rPr lang="en-US" sz="2400" i="1"/>
               <a:t> or the </a:t>
             </a:r>
             <a:r>
-              <a:rPr lang="en-US" sz="2400" b="1" i="1" dirty="0"/>
-              <a:t>left ring finger button</a:t>
-            </a:r>
-            <a:r>
-              <a:rPr lang="en-US" sz="2400" i="1" dirty="0"/>
+              <a:rPr lang="en-US" sz="2400" b="1" i="1"/>
+              <a:t>left arrow</a:t>
+            </a:r>
+            <a:r>
+              <a:rPr lang="en-US" sz="2400" i="1"/>
               <a:t> to return to the </a:t>
             </a:r>
             <a:r>
-              <a:rPr lang="en-US" sz="2400" b="1" i="1" dirty="0"/>
+              <a:rPr lang="en-US" sz="2400" b="1" i="1"/>
               <a:t>previous slide</a:t>
             </a:r>
             <a:endParaRPr lang="en-US" sz="2400" i="1" dirty="0"/>
